--- a/Documentation/AutoTest DevsPresentation.pptx
+++ b/Documentation/AutoTest DevsPresentation.pptx
@@ -8,11 +8,9 @@
     <p:sldId id="256" r:id="rId2"/>
     <p:sldId id="257" r:id="rId3"/>
     <p:sldId id="258" r:id="rId4"/>
-    <p:sldId id="262" r:id="rId5"/>
-    <p:sldId id="259" r:id="rId6"/>
-    <p:sldId id="260" r:id="rId7"/>
-    <p:sldId id="261" r:id="rId8"/>
-    <p:sldId id="263" r:id="rId9"/>
+    <p:sldId id="259" r:id="rId5"/>
+    <p:sldId id="260" r:id="rId6"/>
+    <p:sldId id="261" r:id="rId7"/>
   </p:sldIdLst>
   <p:sldSz cx="12192000" cy="6858000"/>
   <p:notesSz cx="6858000" cy="9144000"/>
@@ -111,6 +109,11 @@
       </a:defRPr>
     </a:lvl9pPr>
   </p:defaultTextStyle>
+  <p:extLst>
+    <p:ext uri="{EFAFB233-063F-42B5-8137-9DF3F51BA10A}">
+      <p15:sldGuideLst xmlns:p15="http://schemas.microsoft.com/office/powerpoint/2012/main"/>
+    </p:ext>
+  </p:extLst>
 </p:presentation>
 </file>
 
@@ -159,7 +162,6 @@
               <a:rPr lang="en-US"/>
               <a:t>Click to edit Master title style</a:t>
             </a:r>
-            <a:endParaRPr lang="en-US"/>
           </a:p>
         </p:txBody>
       </p:sp>
@@ -224,7 +226,6 @@
               <a:rPr lang="en-US"/>
               <a:t>Click to edit Master subtitle style</a:t>
             </a:r>
-            <a:endParaRPr lang="en-US"/>
           </a:p>
         </p:txBody>
       </p:sp>
@@ -245,7 +246,7 @@
           <a:p>
             <a:fld id="{90BF8BA5-4A69-4E39-8697-85E87E41EFC3}" type="datetimeFigureOut">
               <a:rPr lang="en-US" smtClean="0"/>
-              <a:t>8/21/2016</a:t>
+              <a:t>8/22/2016</a:t>
             </a:fld>
             <a:endParaRPr lang="en-US"/>
           </a:p>
@@ -342,7 +343,6 @@
               <a:rPr lang="en-US"/>
               <a:t>Click to edit Master title style</a:t>
             </a:r>
-            <a:endParaRPr lang="en-US"/>
           </a:p>
         </p:txBody>
       </p:sp>
@@ -394,7 +394,6 @@
               <a:rPr lang="en-US"/>
               <a:t>Fifth level</a:t>
             </a:r>
-            <a:endParaRPr lang="en-US"/>
           </a:p>
         </p:txBody>
       </p:sp>
@@ -415,7 +414,7 @@
           <a:p>
             <a:fld id="{90BF8BA5-4A69-4E39-8697-85E87E41EFC3}" type="datetimeFigureOut">
               <a:rPr lang="en-US" smtClean="0"/>
-              <a:t>8/21/2016</a:t>
+              <a:t>8/22/2016</a:t>
             </a:fld>
             <a:endParaRPr lang="en-US"/>
           </a:p>
@@ -517,7 +516,6 @@
               <a:rPr lang="en-US"/>
               <a:t>Click to edit Master title style</a:t>
             </a:r>
-            <a:endParaRPr lang="en-US"/>
           </a:p>
         </p:txBody>
       </p:sp>
@@ -574,7 +572,6 @@
               <a:rPr lang="en-US"/>
               <a:t>Fifth level</a:t>
             </a:r>
-            <a:endParaRPr lang="en-US"/>
           </a:p>
         </p:txBody>
       </p:sp>
@@ -595,7 +592,7 @@
           <a:p>
             <a:fld id="{90BF8BA5-4A69-4E39-8697-85E87E41EFC3}" type="datetimeFigureOut">
               <a:rPr lang="en-US" smtClean="0"/>
-              <a:t>8/21/2016</a:t>
+              <a:t>8/22/2016</a:t>
             </a:fld>
             <a:endParaRPr lang="en-US"/>
           </a:p>
@@ -692,7 +689,6 @@
               <a:rPr lang="en-US"/>
               <a:t>Click to edit Master title style</a:t>
             </a:r>
-            <a:endParaRPr lang="en-US"/>
           </a:p>
         </p:txBody>
       </p:sp>
@@ -744,7 +740,6 @@
               <a:rPr lang="en-US"/>
               <a:t>Fifth level</a:t>
             </a:r>
-            <a:endParaRPr lang="en-US"/>
           </a:p>
         </p:txBody>
       </p:sp>
@@ -765,7 +760,7 @@
           <a:p>
             <a:fld id="{90BF8BA5-4A69-4E39-8697-85E87E41EFC3}" type="datetimeFigureOut">
               <a:rPr lang="en-US" smtClean="0"/>
-              <a:t>8/21/2016</a:t>
+              <a:t>8/22/2016</a:t>
             </a:fld>
             <a:endParaRPr lang="en-US"/>
           </a:p>
@@ -871,7 +866,6 @@
               <a:rPr lang="en-US"/>
               <a:t>Click to edit Master title style</a:t>
             </a:r>
-            <a:endParaRPr lang="en-US"/>
           </a:p>
         </p:txBody>
       </p:sp>
@@ -1011,7 +1005,7 @@
           <a:p>
             <a:fld id="{90BF8BA5-4A69-4E39-8697-85E87E41EFC3}" type="datetimeFigureOut">
               <a:rPr lang="en-US" smtClean="0"/>
-              <a:t>8/21/2016</a:t>
+              <a:t>8/22/2016</a:t>
             </a:fld>
             <a:endParaRPr lang="en-US"/>
           </a:p>
@@ -1108,7 +1102,6 @@
               <a:rPr lang="en-US"/>
               <a:t>Click to edit Master title style</a:t>
             </a:r>
-            <a:endParaRPr lang="en-US"/>
           </a:p>
         </p:txBody>
       </p:sp>
@@ -1165,7 +1158,6 @@
               <a:rPr lang="en-US"/>
               <a:t>Fifth level</a:t>
             </a:r>
-            <a:endParaRPr lang="en-US"/>
           </a:p>
         </p:txBody>
       </p:sp>
@@ -1222,7 +1214,6 @@
               <a:rPr lang="en-US"/>
               <a:t>Fifth level</a:t>
             </a:r>
-            <a:endParaRPr lang="en-US"/>
           </a:p>
         </p:txBody>
       </p:sp>
@@ -1243,7 +1234,7 @@
           <a:p>
             <a:fld id="{90BF8BA5-4A69-4E39-8697-85E87E41EFC3}" type="datetimeFigureOut">
               <a:rPr lang="en-US" smtClean="0"/>
-              <a:t>8/21/2016</a:t>
+              <a:t>8/22/2016</a:t>
             </a:fld>
             <a:endParaRPr lang="en-US"/>
           </a:p>
@@ -1345,7 +1336,6 @@
               <a:rPr lang="en-US"/>
               <a:t>Click to edit Master title style</a:t>
             </a:r>
-            <a:endParaRPr lang="en-US"/>
           </a:p>
         </p:txBody>
       </p:sp>
@@ -1467,7 +1457,6 @@
               <a:rPr lang="en-US"/>
               <a:t>Fifth level</a:t>
             </a:r>
-            <a:endParaRPr lang="en-US"/>
           </a:p>
         </p:txBody>
       </p:sp>
@@ -1589,7 +1578,6 @@
               <a:rPr lang="en-US"/>
               <a:t>Fifth level</a:t>
             </a:r>
-            <a:endParaRPr lang="en-US"/>
           </a:p>
         </p:txBody>
       </p:sp>
@@ -1610,7 +1598,7 @@
           <a:p>
             <a:fld id="{90BF8BA5-4A69-4E39-8697-85E87E41EFC3}" type="datetimeFigureOut">
               <a:rPr lang="en-US" smtClean="0"/>
-              <a:t>8/21/2016</a:t>
+              <a:t>8/22/2016</a:t>
             </a:fld>
             <a:endParaRPr lang="en-US"/>
           </a:p>
@@ -1707,7 +1695,6 @@
               <a:rPr lang="en-US"/>
               <a:t>Click to edit Master title style</a:t>
             </a:r>
-            <a:endParaRPr lang="en-US"/>
           </a:p>
         </p:txBody>
       </p:sp>
@@ -1728,7 +1715,7 @@
           <a:p>
             <a:fld id="{90BF8BA5-4A69-4E39-8697-85E87E41EFC3}" type="datetimeFigureOut">
               <a:rPr lang="en-US" smtClean="0"/>
-              <a:t>8/21/2016</a:t>
+              <a:t>8/22/2016</a:t>
             </a:fld>
             <a:endParaRPr lang="en-US"/>
           </a:p>
@@ -1823,7 +1810,7 @@
           <a:p>
             <a:fld id="{90BF8BA5-4A69-4E39-8697-85E87E41EFC3}" type="datetimeFigureOut">
               <a:rPr lang="en-US" smtClean="0"/>
-              <a:t>8/21/2016</a:t>
+              <a:t>8/22/2016</a:t>
             </a:fld>
             <a:endParaRPr lang="en-US"/>
           </a:p>
@@ -1929,7 +1916,6 @@
               <a:rPr lang="en-US"/>
               <a:t>Click to edit Master title style</a:t>
             </a:r>
-            <a:endParaRPr lang="en-US"/>
           </a:p>
         </p:txBody>
       </p:sp>
@@ -2014,7 +2000,6 @@
               <a:rPr lang="en-US"/>
               <a:t>Fifth level</a:t>
             </a:r>
-            <a:endParaRPr lang="en-US"/>
           </a:p>
         </p:txBody>
       </p:sp>
@@ -2100,7 +2085,7 @@
           <a:p>
             <a:fld id="{90BF8BA5-4A69-4E39-8697-85E87E41EFC3}" type="datetimeFigureOut">
               <a:rPr lang="en-US" smtClean="0"/>
-              <a:t>8/21/2016</a:t>
+              <a:t>8/22/2016</a:t>
             </a:fld>
             <a:endParaRPr lang="en-US"/>
           </a:p>
@@ -2206,7 +2191,6 @@
               <a:rPr lang="en-US"/>
               <a:t>Click to edit Master title style</a:t>
             </a:r>
-            <a:endParaRPr lang="en-US"/>
           </a:p>
         </p:txBody>
       </p:sp>
@@ -2353,7 +2337,7 @@
           <a:p>
             <a:fld id="{90BF8BA5-4A69-4E39-8697-85E87E41EFC3}" type="datetimeFigureOut">
               <a:rPr lang="en-US" smtClean="0"/>
-              <a:t>8/21/2016</a:t>
+              <a:t>8/22/2016</a:t>
             </a:fld>
             <a:endParaRPr lang="en-US"/>
           </a:p>
@@ -2465,7 +2449,6 @@
               <a:rPr lang="en-US"/>
               <a:t>Click to edit Master title style</a:t>
             </a:r>
-            <a:endParaRPr lang="en-US"/>
           </a:p>
         </p:txBody>
       </p:sp>
@@ -2527,7 +2510,6 @@
               <a:rPr lang="en-US"/>
               <a:t>Fifth level</a:t>
             </a:r>
-            <a:endParaRPr lang="en-US"/>
           </a:p>
         </p:txBody>
       </p:sp>
@@ -2566,7 +2548,7 @@
           <a:p>
             <a:fld id="{90BF8BA5-4A69-4E39-8697-85E87E41EFC3}" type="datetimeFigureOut">
               <a:rPr lang="en-US" smtClean="0"/>
-              <a:t>8/21/2016</a:t>
+              <a:t>8/22/2016</a:t>
             </a:fld>
             <a:endParaRPr lang="en-US"/>
           </a:p>
@@ -3037,6 +3019,13 @@
   <p:clrMapOvr>
     <a:masterClrMapping/>
   </p:clrMapOvr>
+  <p:timing>
+    <p:tnLst>
+      <p:par>
+        <p:cTn id="1" dur="indefinite" restart="never" nodeType="tmRoot"/>
+      </p:par>
+    </p:tnLst>
+  </p:timing>
 </p:sld>
 </file>
 
@@ -3163,6 +3152,13 @@
   <p:clrMapOvr>
     <a:masterClrMapping/>
   </p:clrMapOvr>
+  <p:timing>
+    <p:tnLst>
+      <p:par>
+        <p:cTn id="1" dur="indefinite" restart="never" nodeType="tmRoot"/>
+      </p:par>
+    </p:tnLst>
+  </p:timing>
 </p:sld>
 </file>
 
@@ -3193,7 +3189,12 @@
             <p:ph type="title"/>
           </p:nvPr>
         </p:nvSpPr>
-        <p:spPr/>
+        <p:spPr>
+          <a:xfrm>
+            <a:off x="838200" y="365125"/>
+            <a:ext cx="10515600" cy="992895"/>
+          </a:xfrm>
+        </p:spPr>
         <p:txBody>
           <a:bodyPr/>
           <a:lstStyle/>
@@ -3215,10 +3216,15 @@
             <p:ph idx="1"/>
           </p:nvPr>
         </p:nvSpPr>
-        <p:spPr/>
+        <p:spPr>
+          <a:xfrm>
+            <a:off x="838200" y="1358020"/>
+            <a:ext cx="10515600" cy="4818943"/>
+          </a:xfrm>
+        </p:spPr>
         <p:txBody>
           <a:bodyPr>
-            <a:normAutofit/>
+            <a:normAutofit fontScale="92500" lnSpcReduction="20000"/>
           </a:bodyPr>
           <a:lstStyle/>
           <a:p>
@@ -3226,7 +3232,13 @@
               <a:buNone/>
             </a:pPr>
             <a:r>
-              <a:rPr lang="en-US" b="1" u="sng" dirty="0"/>
+              <a:rPr lang="en-US" b="1" u="sng" dirty="0">
+                <a:solidFill>
+                  <a:schemeClr val="accent1">
+                    <a:lumMod val="50000"/>
+                  </a:schemeClr>
+                </a:solidFill>
+              </a:rPr>
               <a:t>Software Regression Testing</a:t>
             </a:r>
           </a:p>
@@ -3248,11 +3260,7 @@
             </a:r>
             <a:r>
               <a:rPr lang="en-US" dirty="0"/>
-              <a:t> </a:t>
-            </a:r>
-            <a:r>
-              <a:rPr lang="en-US" dirty="0"/>
-              <a:t>after it’s been changed or interfaced with other software - </a:t>
+              <a:t> after it’s been changed or interfaced with other software - </a:t>
             </a:r>
             <a:r>
               <a:rPr lang="en-US" i="1" dirty="0"/>
@@ -3264,7 +3272,13 @@
               <a:buNone/>
             </a:pPr>
             <a:r>
-              <a:rPr lang="en-US" b="1" u="sng" dirty="0"/>
+              <a:rPr lang="en-US" b="1" u="sng" dirty="0">
+                <a:solidFill>
+                  <a:schemeClr val="accent1">
+                    <a:lumMod val="50000"/>
+                  </a:schemeClr>
+                </a:solidFill>
+              </a:rPr>
               <a:t>Data Warehouse Regression Testing</a:t>
             </a:r>
           </a:p>
@@ -3285,8 +3299,115 @@
           <a:p>
             <a:r>
               <a:rPr lang="en-US" dirty="0"/>
-              <a:t>“performs the same” = ???</a:t>
-            </a:r>
+              <a:t>“performs the same” = </a:t>
+            </a:r>
+            <a:r>
+              <a:rPr lang="en-US" dirty="0" smtClean="0"/>
+              <a:t>???</a:t>
+            </a:r>
+          </a:p>
+          <a:p>
+            <a:endParaRPr lang="en-US" dirty="0" smtClean="0"/>
+          </a:p>
+          <a:p>
+            <a:pPr marL="457200" lvl="1" indent="0">
+              <a:buNone/>
+            </a:pPr>
+            <a:r>
+              <a:rPr lang="en-US" b="1" dirty="0" smtClean="0">
+                <a:solidFill>
+                  <a:schemeClr val="accent1">
+                    <a:lumMod val="50000"/>
+                  </a:schemeClr>
+                </a:solidFill>
+              </a:rPr>
+              <a:t>ETL Packages </a:t>
+            </a:r>
+            <a:r>
+              <a:rPr lang="en-US" i="1" dirty="0" smtClean="0"/>
+              <a:t>(incremental loads, adding data sources)</a:t>
+            </a:r>
+          </a:p>
+          <a:p>
+            <a:pPr lvl="1"/>
+            <a:r>
+              <a:rPr lang="en-US" dirty="0" smtClean="0"/>
+              <a:t>“historical data is not affected by incremental data loads”</a:t>
+            </a:r>
+            <a:endParaRPr lang="en-US" dirty="0" smtClean="0"/>
+          </a:p>
+          <a:p>
+            <a:pPr lvl="1"/>
+            <a:r>
+              <a:rPr lang="en-US" dirty="0" smtClean="0"/>
+              <a:t>“produces similar data profile”</a:t>
+            </a:r>
+          </a:p>
+          <a:p>
+            <a:pPr marL="457200" lvl="1" indent="0">
+              <a:buNone/>
+            </a:pPr>
+            <a:r>
+              <a:rPr lang="en-US" b="1" dirty="0" smtClean="0">
+                <a:solidFill>
+                  <a:schemeClr val="accent1">
+                    <a:lumMod val="50000"/>
+                  </a:schemeClr>
+                </a:solidFill>
+              </a:rPr>
+              <a:t>New </a:t>
+            </a:r>
+            <a:r>
+              <a:rPr lang="en-US" b="1" dirty="0" err="1" smtClean="0">
+                <a:solidFill>
+                  <a:schemeClr val="accent1">
+                    <a:lumMod val="50000"/>
+                  </a:schemeClr>
+                </a:solidFill>
+              </a:rPr>
+              <a:t>BizRules</a:t>
+            </a:r>
+            <a:endParaRPr lang="en-US" dirty="0" smtClean="0">
+              <a:solidFill>
+                <a:schemeClr val="accent1">
+                  <a:lumMod val="50000"/>
+                </a:schemeClr>
+              </a:solidFill>
+            </a:endParaRPr>
+          </a:p>
+          <a:p>
+            <a:pPr lvl="1"/>
+            <a:r>
+              <a:rPr lang="en-US" dirty="0" smtClean="0"/>
+              <a:t>“</a:t>
+            </a:r>
+            <a:r>
+              <a:rPr lang="en-US" dirty="0" smtClean="0"/>
+              <a:t>only change intended columns”</a:t>
+            </a:r>
+          </a:p>
+          <a:p>
+            <a:pPr lvl="1"/>
+            <a:r>
+              <a:rPr lang="en-US" dirty="0" smtClean="0"/>
+              <a:t>“down stream views are not affected”</a:t>
+            </a:r>
+          </a:p>
+          <a:p>
+            <a:pPr lvl="1"/>
+            <a:endParaRPr lang="en-US" i="1" dirty="0" smtClean="0"/>
+          </a:p>
+          <a:p>
+            <a:pPr marL="0" indent="0">
+              <a:buNone/>
+            </a:pPr>
+            <a:endParaRPr lang="en-US" dirty="0"/>
+          </a:p>
+          <a:p>
+            <a:pPr marL="0" indent="0">
+              <a:buNone/>
+            </a:pPr>
+            <a:endParaRPr lang="en-US" dirty="0"/>
           </a:p>
         </p:txBody>
       </p:sp>
@@ -3300,6 +3421,13 @@
   <p:clrMapOvr>
     <a:masterClrMapping/>
   </p:clrMapOvr>
+  <p:timing>
+    <p:tnLst>
+      <p:par>
+        <p:cTn id="1" dur="indefinite" restart="never" nodeType="tmRoot"/>
+      </p:par>
+    </p:tnLst>
+  </p:timing>
 </p:sld>
 </file>
 
@@ -3336,8 +3464,12 @@
           <a:lstStyle/>
           <a:p>
             <a:r>
-              <a:rPr lang="en-US" dirty="0"/>
-              <a:t>DWH meaning of “performs the same”</a:t>
+              <a:rPr lang="en-US" dirty="0" err="1"/>
+              <a:t>AutoTest</a:t>
+            </a:r>
+            <a:r>
+              <a:rPr lang="en-US" dirty="0"/>
+              <a:t> at high level</a:t>
             </a:r>
           </a:p>
         </p:txBody>
@@ -3354,42 +3486,127 @@
         </p:nvSpPr>
         <p:spPr/>
         <p:txBody>
-          <a:bodyPr/>
-          <a:lstStyle/>
-          <a:p>
-            <a:r>
-              <a:rPr lang="en-US" dirty="0"/>
-              <a:t>Fact tables expected to grow</a:t>
-            </a:r>
+          <a:bodyPr>
+            <a:normAutofit/>
+          </a:bodyPr>
+          <a:lstStyle/>
+          <a:p>
+            <a:r>
+              <a:rPr lang="en-US" dirty="0"/>
+              <a:t>Piggy backs on existing DQMF procedure: </a:t>
+            </a:r>
+            <a:r>
+              <a:rPr lang="en-US" dirty="0" err="1">
+                <a:solidFill>
+                  <a:schemeClr val="accent1">
+                    <a:lumMod val="50000"/>
+                  </a:schemeClr>
+                </a:solidFill>
+                <a:latin typeface="Consolas" panose="020B0609020204030204" pitchFamily="49" charset="0"/>
+              </a:rPr>
+              <a:t>SetAuditPkgExecution</a:t>
+            </a:r>
+            <a:endParaRPr lang="en-US" dirty="0">
+              <a:solidFill>
+                <a:schemeClr val="accent1">
+                  <a:lumMod val="50000"/>
+                </a:schemeClr>
+              </a:solidFill>
+              <a:latin typeface="Consolas" panose="020B0609020204030204" pitchFamily="49" charset="0"/>
+            </a:endParaRPr>
           </a:p>
           <a:p>
             <a:pPr lvl="1"/>
             <a:r>
               <a:rPr lang="en-US" dirty="0"/>
-              <a:t>So data expected to change</a:t>
-            </a:r>
-          </a:p>
-          <a:p>
-            <a:r>
-              <a:rPr lang="en-US" dirty="0"/>
-              <a:t>“produces fact tables with the same relative proportions of dim values”</a:t>
-            </a:r>
-          </a:p>
-          <a:p>
-            <a:endParaRPr lang="en-US" dirty="0"/>
+              <a:t>Automates execution without changing interfaces</a:t>
+            </a:r>
+          </a:p>
+          <a:p>
+            <a:r>
+              <a:rPr lang="en-US" dirty="0"/>
+              <a:t>Copies </a:t>
+            </a:r>
+            <a:r>
+              <a:rPr lang="en-US" dirty="0">
+                <a:solidFill>
+                  <a:schemeClr val="accent1">
+                    <a:lumMod val="50000"/>
+                  </a:schemeClr>
+                </a:solidFill>
+              </a:rPr>
+              <a:t>snap shots of tables/views </a:t>
+            </a:r>
+            <a:r>
+              <a:rPr lang="en-US" dirty="0"/>
+              <a:t>before and after a package runs</a:t>
+            </a:r>
+          </a:p>
+          <a:p>
+            <a:r>
+              <a:rPr lang="en-US" dirty="0">
+                <a:highlight>
+                  <a:srgbClr val="FFFF00"/>
+                </a:highlight>
+              </a:rPr>
+              <a:t>diff the s</a:t>
+            </a:r>
+            <a:r>
+              <a:rPr lang="en-US" dirty="0">
+                <a:highlight>
+                  <a:srgbClr val="FFFF00"/>
+                </a:highlight>
+              </a:rPr>
+              <a:t>nap </a:t>
+            </a:r>
+            <a:r>
+              <a:rPr lang="en-US" dirty="0">
+                <a:highlight>
+                  <a:srgbClr val="FFFF00"/>
+                </a:highlight>
+              </a:rPr>
+              <a:t>shots then profile the diffs</a:t>
+            </a:r>
+          </a:p>
+          <a:p>
+            <a:r>
+              <a:rPr lang="en-US" dirty="0"/>
+              <a:t>Logs results in </a:t>
+            </a:r>
+            <a:r>
+              <a:rPr lang="en-US" dirty="0" err="1"/>
+              <a:t>AutoTest</a:t>
+            </a:r>
+            <a:r>
+              <a:rPr lang="en-US" dirty="0"/>
+              <a:t> database</a:t>
+            </a:r>
+          </a:p>
+          <a:p>
+            <a:r>
+              <a:rPr lang="en-US" dirty="0"/>
+              <a:t>Summaries results with SSRS reports</a:t>
+            </a:r>
           </a:p>
         </p:txBody>
       </p:sp>
     </p:spTree>
     <p:extLst>
       <p:ext uri="{BB962C8B-B14F-4D97-AF65-F5344CB8AC3E}">
-        <p14:creationId xmlns:p14="http://schemas.microsoft.com/office/powerpoint/2010/main" val="2131865650"/>
+        <p14:creationId xmlns:p14="http://schemas.microsoft.com/office/powerpoint/2010/main" val="4144687862"/>
       </p:ext>
     </p:extLst>
   </p:cSld>
   <p:clrMapOvr>
     <a:masterClrMapping/>
   </p:clrMapOvr>
+  <p:timing>
+    <p:tnLst>
+      <p:par>
+        <p:cTn id="1" dur="indefinite" restart="never" nodeType="tmRoot"/>
+      </p:par>
+    </p:tnLst>
+  </p:timing>
 </p:sld>
 </file>
 
@@ -3431,7 +3648,7 @@
             </a:r>
             <a:r>
               <a:rPr lang="en-US" dirty="0"/>
-              <a:t> at high level</a:t>
+              <a:t> benefits</a:t>
             </a:r>
           </a:p>
         </p:txBody>
@@ -3449,61 +3666,92 @@
         <p:spPr/>
         <p:txBody>
           <a:bodyPr>
-            <a:normAutofit/>
+            <a:normAutofit lnSpcReduction="10000"/>
           </a:bodyPr>
           <a:lstStyle/>
           <a:p>
             <a:r>
               <a:rPr lang="en-US" dirty="0"/>
-              <a:t>Piggy backs on existing DQMF procedure: </a:t>
-            </a:r>
-            <a:r>
-              <a:rPr lang="en-US" dirty="0" err="1">
-                <a:latin typeface="Consolas" panose="020B0609020204030204" pitchFamily="49" charset="0"/>
+              <a:t>Automatic</a:t>
+            </a:r>
+          </a:p>
+          <a:p>
+            <a:pPr lvl="1"/>
+            <a:r>
+              <a:rPr lang="en-US" dirty="0"/>
+              <a:t>Nothing to turn on or setup</a:t>
+            </a:r>
+          </a:p>
+          <a:p>
+            <a:r>
+              <a:rPr lang="en-US" dirty="0"/>
+              <a:t>Fast</a:t>
+            </a:r>
+          </a:p>
+          <a:p>
+            <a:pPr lvl="1"/>
+            <a:r>
+              <a:rPr lang="en-US" dirty="0"/>
+              <a:t>Verification of a desired change outcome is immediate </a:t>
+            </a:r>
+          </a:p>
+          <a:p>
+            <a:r>
+              <a:rPr lang="en-US" dirty="0"/>
+              <a:t>Standardized</a:t>
+            </a:r>
+          </a:p>
+          <a:p>
+            <a:pPr lvl="1"/>
+            <a:r>
+              <a:rPr lang="en-US" dirty="0"/>
+              <a:t>Helps establish a consistent minimum level of testing granularity</a:t>
+            </a:r>
+          </a:p>
+          <a:p>
+            <a:r>
+              <a:rPr lang="en-US" dirty="0"/>
+              <a:t>Transparent</a:t>
+            </a:r>
+          </a:p>
+          <a:p>
+            <a:pPr lvl="1"/>
+            <a:r>
+              <a:rPr lang="en-US" dirty="0"/>
+              <a:t>Provides </a:t>
+            </a:r>
+            <a:r>
+              <a:rPr lang="en-US" sz="2800" dirty="0">
+                <a:highlight>
+                  <a:srgbClr val="FFFF00"/>
+                </a:highlight>
               </a:rPr>
-              <a:t>SetAuditPkgExecution</a:t>
-            </a:r>
-            <a:endParaRPr lang="en-US" dirty="0">
-              <a:latin typeface="Consolas" panose="020B0609020204030204" pitchFamily="49" charset="0"/>
-            </a:endParaRPr>
+              <a:t>common interface </a:t>
+            </a:r>
+            <a:r>
+              <a:rPr lang="en-US" dirty="0"/>
+              <a:t>for all team members to assess data</a:t>
+            </a:r>
+          </a:p>
+          <a:p>
+            <a:r>
+              <a:rPr lang="en-US" dirty="0"/>
+              <a:t>Helps </a:t>
+            </a:r>
+            <a:r>
+              <a:rPr lang="en-US" dirty="0">
+                <a:highlight>
+                  <a:srgbClr val="FFFF00"/>
+                </a:highlight>
+              </a:rPr>
+              <a:t>focus and direct testing efforts</a:t>
+            </a:r>
           </a:p>
           <a:p>
             <a:pPr lvl="1"/>
             <a:r>
               <a:rPr lang="en-US" dirty="0"/>
-              <a:t>Automates execution without changing interfaces</a:t>
-            </a:r>
-          </a:p>
-          <a:p>
-            <a:r>
-              <a:rPr lang="en-US" dirty="0"/>
-              <a:t>Copies snap shots of tables/views before and after a package runs</a:t>
-            </a:r>
-          </a:p>
-          <a:p>
-            <a:r>
-              <a:rPr lang="en-US" dirty="0"/>
-              <a:t>diff the snap shots then profile the diffs</a:t>
-            </a:r>
-          </a:p>
-          <a:p>
-            <a:r>
-              <a:rPr lang="en-US" dirty="0"/>
-              <a:t>Logs results in </a:t>
-            </a:r>
-            <a:r>
-              <a:rPr lang="en-US" dirty="0" err="1"/>
-              <a:t>AutoTest</a:t>
-            </a:r>
-            <a:r>
-              <a:rPr lang="en-US" dirty="0"/>
-              <a:t> database</a:t>
-            </a:r>
-          </a:p>
-          <a:p>
-            <a:r>
-              <a:rPr lang="en-US" dirty="0"/>
-              <a:t>Summaries results with SSRS reports</a:t>
+              <a:t>Identifies which columns in which tables changed and by how much</a:t>
             </a:r>
           </a:p>
         </p:txBody>
@@ -3511,13 +3759,20 @@
     </p:spTree>
     <p:extLst>
       <p:ext uri="{BB962C8B-B14F-4D97-AF65-F5344CB8AC3E}">
-        <p14:creationId xmlns:p14="http://schemas.microsoft.com/office/powerpoint/2010/main" val="4144687862"/>
+        <p14:creationId xmlns:p14="http://schemas.microsoft.com/office/powerpoint/2010/main" val="1157144910"/>
       </p:ext>
     </p:extLst>
   </p:cSld>
   <p:clrMapOvr>
     <a:masterClrMapping/>
   </p:clrMapOvr>
+  <p:timing>
+    <p:tnLst>
+      <p:par>
+        <p:cTn id="1" dur="indefinite" restart="never" nodeType="tmRoot"/>
+      </p:par>
+    </p:tnLst>
+  </p:timing>
 </p:sld>
 </file>
 
@@ -3554,145 +3809,6 @@
           <a:lstStyle/>
           <a:p>
             <a:r>
-              <a:rPr lang="en-US" dirty="0" err="1"/>
-              <a:t>AutoTest</a:t>
-            </a:r>
-            <a:r>
-              <a:rPr lang="en-US" dirty="0"/>
-              <a:t> benefits</a:t>
-            </a:r>
-          </a:p>
-        </p:txBody>
-      </p:sp>
-      <p:sp>
-        <p:nvSpPr>
-          <p:cNvPr id="3" name="Content Placeholder 2"/>
-          <p:cNvSpPr>
-            <a:spLocks noGrp="1"/>
-          </p:cNvSpPr>
-          <p:nvPr>
-            <p:ph idx="1"/>
-          </p:nvPr>
-        </p:nvSpPr>
-        <p:spPr/>
-        <p:txBody>
-          <a:bodyPr>
-            <a:normAutofit lnSpcReduction="10000"/>
-          </a:bodyPr>
-          <a:lstStyle/>
-          <a:p>
-            <a:r>
-              <a:rPr lang="en-US" dirty="0"/>
-              <a:t>Automatic</a:t>
-            </a:r>
-          </a:p>
-          <a:p>
-            <a:pPr lvl="1"/>
-            <a:r>
-              <a:rPr lang="en-US" dirty="0"/>
-              <a:t>Nothing to turn on or setup</a:t>
-            </a:r>
-          </a:p>
-          <a:p>
-            <a:r>
-              <a:rPr lang="en-US" dirty="0"/>
-              <a:t>Fast</a:t>
-            </a:r>
-          </a:p>
-          <a:p>
-            <a:pPr lvl="1"/>
-            <a:r>
-              <a:rPr lang="en-US" dirty="0"/>
-              <a:t>Verification of a desired change outcome is immediate </a:t>
-            </a:r>
-          </a:p>
-          <a:p>
-            <a:r>
-              <a:rPr lang="en-US" dirty="0"/>
-              <a:t>Standardized</a:t>
-            </a:r>
-          </a:p>
-          <a:p>
-            <a:pPr lvl="1"/>
-            <a:r>
-              <a:rPr lang="en-US" dirty="0"/>
-              <a:t>Helps establish a consistent minimum level of testing granularity</a:t>
-            </a:r>
-          </a:p>
-          <a:p>
-            <a:r>
-              <a:rPr lang="en-US" dirty="0"/>
-              <a:t>Transparent</a:t>
-            </a:r>
-          </a:p>
-          <a:p>
-            <a:pPr lvl="1"/>
-            <a:r>
-              <a:rPr lang="en-US" dirty="0"/>
-              <a:t>Provides common interface for all team members to assess data</a:t>
-            </a:r>
-          </a:p>
-          <a:p>
-            <a:r>
-              <a:rPr lang="en-US" dirty="0"/>
-              <a:t>Helps focus and direct testing efforts</a:t>
-            </a:r>
-          </a:p>
-          <a:p>
-            <a:pPr lvl="1"/>
-            <a:r>
-              <a:rPr lang="en-US" dirty="0"/>
-              <a:t>Identifies which columns in which tables changed and by how much</a:t>
-            </a:r>
-          </a:p>
-        </p:txBody>
-      </p:sp>
-    </p:spTree>
-    <p:extLst>
-      <p:ext uri="{BB962C8B-B14F-4D97-AF65-F5344CB8AC3E}">
-        <p14:creationId xmlns:p14="http://schemas.microsoft.com/office/powerpoint/2010/main" val="1157144910"/>
-      </p:ext>
-    </p:extLst>
-  </p:cSld>
-  <p:clrMapOvr>
-    <a:masterClrMapping/>
-  </p:clrMapOvr>
-</p:sld>
-</file>
-
-<file path=ppt/slides/slide7.xml><?xml version="1.0" encoding="utf-8"?>
-<p:sld xmlns:a="http://schemas.openxmlformats.org/drawingml/2006/main" xmlns:r="http://schemas.openxmlformats.org/officeDocument/2006/relationships" xmlns:p="http://schemas.openxmlformats.org/presentationml/2006/main">
-  <p:cSld>
-    <p:spTree>
-      <p:nvGrpSpPr>
-        <p:cNvPr id="1" name=""/>
-        <p:cNvGrpSpPr/>
-        <p:nvPr/>
-      </p:nvGrpSpPr>
-      <p:grpSpPr>
-        <a:xfrm>
-          <a:off x="0" y="0"/>
-          <a:ext cx="0" cy="0"/>
-          <a:chOff x="0" y="0"/>
-          <a:chExt cx="0" cy="0"/>
-        </a:xfrm>
-      </p:grpSpPr>
-      <p:sp>
-        <p:nvSpPr>
-          <p:cNvPr id="2" name="Title 1"/>
-          <p:cNvSpPr>
-            <a:spLocks noGrp="1"/>
-          </p:cNvSpPr>
-          <p:nvPr>
-            <p:ph type="title"/>
-          </p:nvPr>
-        </p:nvSpPr>
-        <p:spPr/>
-        <p:txBody>
-          <a:bodyPr/>
-          <a:lstStyle/>
-          <a:p>
-            <a:r>
               <a:rPr lang="en-US" dirty="0"/>
               <a:t>diff the snap shots then profile the diffs</a:t>
             </a:r>
@@ -3809,84 +3925,13 @@
   <p:clrMapOvr>
     <a:masterClrMapping/>
   </p:clrMapOvr>
-</p:sld>
-</file>
-
-<file path=ppt/slides/slide8.xml><?xml version="1.0" encoding="utf-8"?>
-<p:sld xmlns:a="http://schemas.openxmlformats.org/drawingml/2006/main" xmlns:r="http://schemas.openxmlformats.org/officeDocument/2006/relationships" xmlns:p="http://schemas.openxmlformats.org/presentationml/2006/main">
-  <p:cSld>
-    <p:spTree>
-      <p:nvGrpSpPr>
-        <p:cNvPr id="1" name=""/>
-        <p:cNvGrpSpPr/>
-        <p:nvPr/>
-      </p:nvGrpSpPr>
-      <p:grpSpPr>
-        <a:xfrm>
-          <a:off x="0" y="0"/>
-          <a:ext cx="0" cy="0"/>
-          <a:chOff x="0" y="0"/>
-          <a:chExt cx="0" cy="0"/>
-        </a:xfrm>
-      </p:grpSpPr>
-      <p:sp>
-        <p:nvSpPr>
-          <p:cNvPr id="2" name="Title 1"/>
-          <p:cNvSpPr>
-            <a:spLocks noGrp="1"/>
-          </p:cNvSpPr>
-          <p:nvPr>
-            <p:ph type="title"/>
-          </p:nvPr>
-        </p:nvSpPr>
-        <p:spPr/>
-        <p:txBody>
-          <a:bodyPr/>
-          <a:lstStyle/>
-          <a:p>
-            <a:endParaRPr lang="en-US"/>
-          </a:p>
-        </p:txBody>
-      </p:sp>
-      <p:sp>
-        <p:nvSpPr>
-          <p:cNvPr id="3" name="Content Placeholder 2"/>
-          <p:cNvSpPr>
-            <a:spLocks noGrp="1"/>
-          </p:cNvSpPr>
-          <p:nvPr>
-            <p:ph idx="1"/>
-          </p:nvPr>
-        </p:nvSpPr>
-        <p:spPr/>
-        <p:txBody>
-          <a:bodyPr/>
-          <a:lstStyle/>
-          <a:p>
-            <a:r>
-              <a:rPr lang="en-US" dirty="0"/>
-              <a:t>Change in relative proportion of dim values:</a:t>
-            </a:r>
-          </a:p>
-          <a:p>
-            <a:pPr lvl="1"/>
-            <a:r>
-              <a:rPr lang="en-US" dirty="0"/>
-              <a:t>Particular Paris Team stopped documenting referrals </a:t>
-            </a:r>
-          </a:p>
-        </p:txBody>
-      </p:sp>
-    </p:spTree>
-    <p:extLst>
-      <p:ext uri="{BB962C8B-B14F-4D97-AF65-F5344CB8AC3E}">
-        <p14:creationId xmlns:p14="http://schemas.microsoft.com/office/powerpoint/2010/main" val="4169808760"/>
-      </p:ext>
-    </p:extLst>
-  </p:cSld>
-  <p:clrMapOvr>
-    <a:masterClrMapping/>
-  </p:clrMapOvr>
+  <p:timing>
+    <p:tnLst>
+      <p:par>
+        <p:cTn id="1" dur="indefinite" restart="never" nodeType="tmRoot"/>
+      </p:par>
+    </p:tnLst>
+  </p:timing>
 </p:sld>
 </file>
 

--- a/Documentation/AutoTest DevsPresentation.pptx
+++ b/Documentation/AutoTest DevsPresentation.pptx
@@ -3828,7 +3828,7 @@
         <p:spPr/>
         <p:txBody>
           <a:bodyPr>
-            <a:normAutofit/>
+            <a:normAutofit lnSpcReduction="10000"/>
           </a:bodyPr>
           <a:lstStyle/>
           <a:p>
@@ -3911,6 +3911,45 @@
             </a:r>
           </a:p>
           <a:p>
+            <a:pPr marL="0" indent="0">
+              <a:buNone/>
+            </a:pPr>
+            <a:r>
+              <a:rPr lang="en-US" dirty="0" smtClean="0"/>
+              <a:t>See </a:t>
+            </a:r>
+            <a:r>
+              <a:rPr lang="en-US" dirty="0" smtClean="0">
+                <a:hlinkClick r:id="rId2"/>
+              </a:rPr>
+              <a:t>github.com/</a:t>
+            </a:r>
+            <a:r>
+              <a:rPr lang="en-US" dirty="0" err="1" smtClean="0">
+                <a:hlinkClick r:id="rId2"/>
+              </a:rPr>
+              <a:t>VCHDecisionSupport</a:t>
+            </a:r>
+            <a:r>
+              <a:rPr lang="en-US" dirty="0" smtClean="0">
+                <a:hlinkClick r:id="rId2"/>
+              </a:rPr>
+              <a:t>/</a:t>
+            </a:r>
+            <a:r>
+              <a:rPr lang="en-US" dirty="0" err="1" smtClean="0">
+                <a:hlinkClick r:id="rId2"/>
+              </a:rPr>
+              <a:t>AutoTest</a:t>
+            </a:r>
+            <a:r>
+              <a:rPr lang="en-US" dirty="0" smtClean="0"/>
+              <a:t> for </a:t>
+            </a:r>
+            <a:r>
+              <a:rPr lang="en-US" smtClean="0"/>
+              <a:t>more information</a:t>
+            </a:r>
             <a:endParaRPr lang="en-US" dirty="0"/>
           </a:p>
         </p:txBody>

--- a/Documentation/AutoTest DevsPresentation.pptx
+++ b/Documentation/AutoTest DevsPresentation.pptx
@@ -8,9 +8,11 @@
     <p:sldId id="256" r:id="rId2"/>
     <p:sldId id="257" r:id="rId3"/>
     <p:sldId id="258" r:id="rId4"/>
-    <p:sldId id="259" r:id="rId5"/>
-    <p:sldId id="260" r:id="rId6"/>
-    <p:sldId id="261" r:id="rId7"/>
+    <p:sldId id="260" r:id="rId5"/>
+    <p:sldId id="263" r:id="rId6"/>
+    <p:sldId id="259" r:id="rId7"/>
+    <p:sldId id="261" r:id="rId8"/>
+    <p:sldId id="262" r:id="rId9"/>
   </p:sldIdLst>
   <p:sldSz cx="12192000" cy="6858000"/>
   <p:notesSz cx="6858000" cy="9144000"/>
@@ -3469,8 +3471,13 @@
             </a:r>
             <a:r>
               <a:rPr lang="en-US" dirty="0"/>
-              <a:t> at high level</a:t>
-            </a:r>
+              <a:t> </a:t>
+            </a:r>
+            <a:r>
+              <a:rPr lang="en-US" dirty="0" smtClean="0"/>
+              <a:t>is…</a:t>
+            </a:r>
+            <a:endParaRPr lang="en-US" dirty="0"/>
           </a:p>
         </p:txBody>
       </p:sp>
@@ -3487,105 +3494,92 @@
         <p:spPr/>
         <p:txBody>
           <a:bodyPr>
-            <a:normAutofit/>
+            <a:normAutofit lnSpcReduction="10000"/>
           </a:bodyPr>
           <a:lstStyle/>
           <a:p>
             <a:r>
               <a:rPr lang="en-US" dirty="0"/>
-              <a:t>Piggy backs on existing DQMF procedure: </a:t>
-            </a:r>
-            <a:r>
-              <a:rPr lang="en-US" dirty="0" err="1">
-                <a:solidFill>
-                  <a:schemeClr val="accent1">
-                    <a:lumMod val="50000"/>
-                  </a:schemeClr>
-                </a:solidFill>
-                <a:latin typeface="Consolas" panose="020B0609020204030204" pitchFamily="49" charset="0"/>
+              <a:t>Automatic</a:t>
+            </a:r>
+          </a:p>
+          <a:p>
+            <a:pPr lvl="1"/>
+            <a:r>
+              <a:rPr lang="en-US" dirty="0"/>
+              <a:t>Nothing to turn on or setup</a:t>
+            </a:r>
+          </a:p>
+          <a:p>
+            <a:r>
+              <a:rPr lang="en-US" dirty="0"/>
+              <a:t>Fast</a:t>
+            </a:r>
+          </a:p>
+          <a:p>
+            <a:pPr lvl="1"/>
+            <a:r>
+              <a:rPr lang="en-US" dirty="0"/>
+              <a:t>Verification of a desired change outcome is immediate </a:t>
+            </a:r>
+          </a:p>
+          <a:p>
+            <a:r>
+              <a:rPr lang="en-US" dirty="0"/>
+              <a:t>Standardized</a:t>
+            </a:r>
+          </a:p>
+          <a:p>
+            <a:pPr lvl="1"/>
+            <a:r>
+              <a:rPr lang="en-US" dirty="0"/>
+              <a:t>Helps establish a consistent minimum level of testing granularity</a:t>
+            </a:r>
+          </a:p>
+          <a:p>
+            <a:r>
+              <a:rPr lang="en-US" dirty="0"/>
+              <a:t>Transparent</a:t>
+            </a:r>
+          </a:p>
+          <a:p>
+            <a:pPr lvl="1"/>
+            <a:r>
+              <a:rPr lang="en-US" dirty="0"/>
+              <a:t>Provides </a:t>
+            </a:r>
+            <a:r>
+              <a:rPr lang="en-US" sz="2800" dirty="0">
+                <a:highlight>
+                  <a:srgbClr val="FFFF00"/>
+                </a:highlight>
               </a:rPr>
-              <a:t>SetAuditPkgExecution</a:t>
-            </a:r>
-            <a:endParaRPr lang="en-US" dirty="0">
-              <a:solidFill>
-                <a:schemeClr val="accent1">
-                  <a:lumMod val="50000"/>
-                </a:schemeClr>
-              </a:solidFill>
-              <a:latin typeface="Consolas" panose="020B0609020204030204" pitchFamily="49" charset="0"/>
-            </a:endParaRPr>
-          </a:p>
-          <a:p>
-            <a:pPr lvl="1"/>
-            <a:r>
-              <a:rPr lang="en-US" dirty="0"/>
-              <a:t>Automates execution without changing interfaces</a:t>
-            </a:r>
-          </a:p>
-          <a:p>
-            <a:r>
-              <a:rPr lang="en-US" dirty="0"/>
-              <a:t>Copies </a:t>
-            </a:r>
-            <a:r>
-              <a:rPr lang="en-US" dirty="0">
-                <a:solidFill>
-                  <a:schemeClr val="accent1">
-                    <a:lumMod val="50000"/>
-                  </a:schemeClr>
-                </a:solidFill>
-              </a:rPr>
-              <a:t>snap shots of tables/views </a:t>
-            </a:r>
-            <a:r>
-              <a:rPr lang="en-US" dirty="0"/>
-              <a:t>before and after a package runs</a:t>
-            </a:r>
-          </a:p>
-          <a:p>
+              <a:t>common interface </a:t>
+            </a:r>
+            <a:r>
+              <a:rPr lang="en-US" dirty="0"/>
+              <a:t>for all team members to assess data</a:t>
+            </a:r>
+          </a:p>
+          <a:p>
+            <a:r>
+              <a:rPr lang="en-US" dirty="0"/>
+              <a:t>Helps </a:t>
+            </a:r>
             <a:r>
               <a:rPr lang="en-US" dirty="0">
                 <a:highlight>
                   <a:srgbClr val="FFFF00"/>
                 </a:highlight>
               </a:rPr>
-              <a:t>diff the s</a:t>
-            </a:r>
-            <a:r>
-              <a:rPr lang="en-US" dirty="0">
-                <a:highlight>
-                  <a:srgbClr val="FFFF00"/>
-                </a:highlight>
-              </a:rPr>
-              <a:t>nap </a:t>
-            </a:r>
-            <a:r>
-              <a:rPr lang="en-US" dirty="0">
-                <a:highlight>
-                  <a:srgbClr val="FFFF00"/>
-                </a:highlight>
-              </a:rPr>
-              <a:t>shots then profile the diffs</a:t>
-            </a:r>
-          </a:p>
-          <a:p>
-            <a:r>
-              <a:rPr lang="en-US" dirty="0"/>
-              <a:t>Logs results in </a:t>
-            </a:r>
-            <a:r>
-              <a:rPr lang="en-US" dirty="0" err="1"/>
-              <a:t>AutoTest</a:t>
-            </a:r>
-            <a:r>
-              <a:rPr lang="en-US" dirty="0"/>
-              <a:t> database</a:t>
-            </a:r>
-          </a:p>
-          <a:p>
-            <a:r>
-              <a:rPr lang="en-US" dirty="0"/>
-              <a:t>Summaries results with SSRS reports</a:t>
+              <a:t>focus and direct testing efforts</a:t>
+            </a:r>
+          </a:p>
+          <a:p>
+            <a:pPr lvl="1"/>
+            <a:r>
+              <a:rPr lang="en-US" dirty="0"/>
+              <a:t>Identifies which columns in which tables changed and by how much</a:t>
             </a:r>
           </a:p>
         </p:txBody>
@@ -3593,7 +3587,7 @@
     </p:spTree>
     <p:extLst>
       <p:ext uri="{BB962C8B-B14F-4D97-AF65-F5344CB8AC3E}">
-        <p14:creationId xmlns:p14="http://schemas.microsoft.com/office/powerpoint/2010/main" val="4144687862"/>
+        <p14:creationId xmlns:p14="http://schemas.microsoft.com/office/powerpoint/2010/main" val="1157144910"/>
       </p:ext>
     </p:extLst>
   </p:cSld>
@@ -3643,13 +3637,14 @@
           <a:lstStyle/>
           <a:p>
             <a:r>
-              <a:rPr lang="en-US" dirty="0" err="1"/>
+              <a:rPr lang="en-CA" dirty="0" err="1" smtClean="0"/>
               <a:t>AutoTest</a:t>
             </a:r>
             <a:r>
-              <a:rPr lang="en-US" dirty="0"/>
-              <a:t> benefits</a:t>
-            </a:r>
+              <a:rPr lang="en-CA" dirty="0" smtClean="0"/>
+              <a:t> doesn’t…</a:t>
+            </a:r>
+            <a:endParaRPr lang="en-CA" dirty="0"/>
           </a:p>
         </p:txBody>
       </p:sp>
@@ -3665,101 +3660,27 @@
         </p:nvSpPr>
         <p:spPr/>
         <p:txBody>
-          <a:bodyPr>
-            <a:normAutofit lnSpcReduction="10000"/>
-          </a:bodyPr>
-          <a:lstStyle/>
-          <a:p>
-            <a:r>
-              <a:rPr lang="en-US" dirty="0"/>
-              <a:t>Automatic</a:t>
-            </a:r>
-          </a:p>
-          <a:p>
-            <a:pPr lvl="1"/>
-            <a:r>
-              <a:rPr lang="en-US" dirty="0"/>
-              <a:t>Nothing to turn on or setup</a:t>
-            </a:r>
-          </a:p>
-          <a:p>
-            <a:r>
-              <a:rPr lang="en-US" dirty="0"/>
-              <a:t>Fast</a:t>
-            </a:r>
-          </a:p>
-          <a:p>
-            <a:pPr lvl="1"/>
-            <a:r>
-              <a:rPr lang="en-US" dirty="0"/>
-              <a:t>Verification of a desired change outcome is immediate </a:t>
-            </a:r>
-          </a:p>
-          <a:p>
-            <a:r>
-              <a:rPr lang="en-US" dirty="0"/>
-              <a:t>Standardized</a:t>
-            </a:r>
-          </a:p>
-          <a:p>
-            <a:pPr lvl="1"/>
-            <a:r>
-              <a:rPr lang="en-US" dirty="0"/>
-              <a:t>Helps establish a consistent minimum level of testing granularity</a:t>
-            </a:r>
-          </a:p>
-          <a:p>
-            <a:r>
-              <a:rPr lang="en-US" dirty="0"/>
-              <a:t>Transparent</a:t>
-            </a:r>
-          </a:p>
-          <a:p>
-            <a:pPr lvl="1"/>
-            <a:r>
-              <a:rPr lang="en-US" dirty="0"/>
-              <a:t>Provides </a:t>
-            </a:r>
-            <a:r>
-              <a:rPr lang="en-US" sz="2800" dirty="0">
-                <a:highlight>
-                  <a:srgbClr val="FFFF00"/>
-                </a:highlight>
-              </a:rPr>
-              <a:t>common interface </a:t>
-            </a:r>
-            <a:r>
-              <a:rPr lang="en-US" dirty="0"/>
-              <a:t>for all team members to assess data</a:t>
-            </a:r>
-          </a:p>
-          <a:p>
-            <a:r>
-              <a:rPr lang="en-US" dirty="0"/>
-              <a:t>Helps </a:t>
-            </a:r>
-            <a:r>
-              <a:rPr lang="en-US" dirty="0">
-                <a:highlight>
-                  <a:srgbClr val="FFFF00"/>
-                </a:highlight>
-              </a:rPr>
-              <a:t>focus and direct testing efforts</a:t>
-            </a:r>
-          </a:p>
-          <a:p>
-            <a:pPr lvl="1"/>
-            <a:r>
-              <a:rPr lang="en-US" dirty="0"/>
-              <a:t>Identifies which columns in which tables changed and by how much</a:t>
-            </a:r>
+          <a:bodyPr/>
+          <a:lstStyle/>
+          <a:p>
+            <a:r>
+              <a:rPr lang="en-CA" dirty="0" smtClean="0"/>
+              <a:t>Replace need for testing</a:t>
+            </a:r>
+          </a:p>
+          <a:p>
+            <a:r>
+              <a:rPr lang="en-CA" dirty="0" smtClean="0"/>
+              <a:t>…???</a:t>
+            </a:r>
+            <a:endParaRPr lang="en-CA" dirty="0"/>
           </a:p>
         </p:txBody>
       </p:sp>
     </p:spTree>
     <p:extLst>
       <p:ext uri="{BB962C8B-B14F-4D97-AF65-F5344CB8AC3E}">
-        <p14:creationId xmlns:p14="http://schemas.microsoft.com/office/powerpoint/2010/main" val="1157144910"/>
+        <p14:creationId xmlns:p14="http://schemas.microsoft.com/office/powerpoint/2010/main" val="963252092"/>
       </p:ext>
     </p:extLst>
   </p:cSld>
@@ -3809,6 +3730,185 @@
           <a:lstStyle/>
           <a:p>
             <a:r>
+              <a:rPr lang="en-US" dirty="0" err="1"/>
+              <a:t>AutoTest</a:t>
+            </a:r>
+            <a:r>
+              <a:rPr lang="en-US" dirty="0"/>
+              <a:t> at high level</a:t>
+            </a:r>
+          </a:p>
+        </p:txBody>
+      </p:sp>
+      <p:sp>
+        <p:nvSpPr>
+          <p:cNvPr id="3" name="Content Placeholder 2"/>
+          <p:cNvSpPr>
+            <a:spLocks noGrp="1"/>
+          </p:cNvSpPr>
+          <p:nvPr>
+            <p:ph idx="1"/>
+          </p:nvPr>
+        </p:nvSpPr>
+        <p:spPr/>
+        <p:txBody>
+          <a:bodyPr>
+            <a:normAutofit/>
+          </a:bodyPr>
+          <a:lstStyle/>
+          <a:p>
+            <a:r>
+              <a:rPr lang="en-US" dirty="0"/>
+              <a:t>Piggy backs on existing DQMF procedure: </a:t>
+            </a:r>
+            <a:r>
+              <a:rPr lang="en-US" dirty="0" err="1">
+                <a:solidFill>
+                  <a:schemeClr val="accent1">
+                    <a:lumMod val="50000"/>
+                  </a:schemeClr>
+                </a:solidFill>
+                <a:latin typeface="Consolas" panose="020B0609020204030204" pitchFamily="49" charset="0"/>
+              </a:rPr>
+              <a:t>SetAuditPkgExecution</a:t>
+            </a:r>
+            <a:endParaRPr lang="en-US" dirty="0">
+              <a:solidFill>
+                <a:schemeClr val="accent1">
+                  <a:lumMod val="50000"/>
+                </a:schemeClr>
+              </a:solidFill>
+              <a:latin typeface="Consolas" panose="020B0609020204030204" pitchFamily="49" charset="0"/>
+            </a:endParaRPr>
+          </a:p>
+          <a:p>
+            <a:pPr lvl="1"/>
+            <a:r>
+              <a:rPr lang="en-US" dirty="0"/>
+              <a:t>Automates execution without changing interfaces</a:t>
+            </a:r>
+          </a:p>
+          <a:p>
+            <a:r>
+              <a:rPr lang="en-US" dirty="0"/>
+              <a:t>Copies </a:t>
+            </a:r>
+            <a:r>
+              <a:rPr lang="en-US" dirty="0">
+                <a:solidFill>
+                  <a:schemeClr val="accent1">
+                    <a:lumMod val="50000"/>
+                  </a:schemeClr>
+                </a:solidFill>
+              </a:rPr>
+              <a:t>snap shots of tables/views </a:t>
+            </a:r>
+            <a:r>
+              <a:rPr lang="en-US" dirty="0"/>
+              <a:t>before and after a package runs</a:t>
+            </a:r>
+          </a:p>
+          <a:p>
+            <a:r>
+              <a:rPr lang="en-US" dirty="0">
+                <a:highlight>
+                  <a:srgbClr val="FFFF00"/>
+                </a:highlight>
+              </a:rPr>
+              <a:t>diff the s</a:t>
+            </a:r>
+            <a:r>
+              <a:rPr lang="en-US" dirty="0">
+                <a:highlight>
+                  <a:srgbClr val="FFFF00"/>
+                </a:highlight>
+              </a:rPr>
+              <a:t>nap </a:t>
+            </a:r>
+            <a:r>
+              <a:rPr lang="en-US" dirty="0">
+                <a:highlight>
+                  <a:srgbClr val="FFFF00"/>
+                </a:highlight>
+              </a:rPr>
+              <a:t>shots then profile the diffs</a:t>
+            </a:r>
+          </a:p>
+          <a:p>
+            <a:r>
+              <a:rPr lang="en-US" dirty="0"/>
+              <a:t>Logs results in </a:t>
+            </a:r>
+            <a:r>
+              <a:rPr lang="en-US" dirty="0" err="1"/>
+              <a:t>AutoTest</a:t>
+            </a:r>
+            <a:r>
+              <a:rPr lang="en-US" dirty="0"/>
+              <a:t> database</a:t>
+            </a:r>
+          </a:p>
+          <a:p>
+            <a:r>
+              <a:rPr lang="en-US" dirty="0"/>
+              <a:t>Summaries results with SSRS reports</a:t>
+            </a:r>
+          </a:p>
+        </p:txBody>
+      </p:sp>
+    </p:spTree>
+    <p:extLst>
+      <p:ext uri="{BB962C8B-B14F-4D97-AF65-F5344CB8AC3E}">
+        <p14:creationId xmlns:p14="http://schemas.microsoft.com/office/powerpoint/2010/main" val="4144687862"/>
+      </p:ext>
+    </p:extLst>
+  </p:cSld>
+  <p:clrMapOvr>
+    <a:masterClrMapping/>
+  </p:clrMapOvr>
+  <p:timing>
+    <p:tnLst>
+      <p:par>
+        <p:cTn id="1" dur="indefinite" restart="never" nodeType="tmRoot"/>
+      </p:par>
+    </p:tnLst>
+  </p:timing>
+</p:sld>
+</file>
+
+<file path=ppt/slides/slide7.xml><?xml version="1.0" encoding="utf-8"?>
+<p:sld xmlns:a="http://schemas.openxmlformats.org/drawingml/2006/main" xmlns:r="http://schemas.openxmlformats.org/officeDocument/2006/relationships" xmlns:p="http://schemas.openxmlformats.org/presentationml/2006/main">
+  <p:cSld>
+    <p:spTree>
+      <p:nvGrpSpPr>
+        <p:cNvPr id="1" name=""/>
+        <p:cNvGrpSpPr/>
+        <p:nvPr/>
+      </p:nvGrpSpPr>
+      <p:grpSpPr>
+        <a:xfrm>
+          <a:off x="0" y="0"/>
+          <a:ext cx="0" cy="0"/>
+          <a:chOff x="0" y="0"/>
+          <a:chExt cx="0" cy="0"/>
+        </a:xfrm>
+      </p:grpSpPr>
+      <p:sp>
+        <p:nvSpPr>
+          <p:cNvPr id="2" name="Title 1"/>
+          <p:cNvSpPr>
+            <a:spLocks noGrp="1"/>
+          </p:cNvSpPr>
+          <p:nvPr>
+            <p:ph type="title"/>
+          </p:nvPr>
+        </p:nvSpPr>
+        <p:spPr/>
+        <p:txBody>
+          <a:bodyPr/>
+          <a:lstStyle/>
+          <a:p>
+            <a:r>
               <a:rPr lang="en-US" dirty="0"/>
               <a:t>diff the snap shots then profile the diffs</a:t>
             </a:r>
@@ -3828,7 +3928,7 @@
         <p:spPr/>
         <p:txBody>
           <a:bodyPr>
-            <a:normAutofit lnSpcReduction="10000"/>
+            <a:normAutofit/>
           </a:bodyPr>
           <a:lstStyle/>
           <a:p>
@@ -3910,54 +4010,268 @@
               <a:t>Group by column value counts </a:t>
             </a:r>
           </a:p>
-          <a:p>
-            <a:pPr marL="0" indent="0">
-              <a:buNone/>
-            </a:pPr>
-            <a:r>
-              <a:rPr lang="en-US" dirty="0" smtClean="0"/>
-              <a:t>See </a:t>
-            </a:r>
-            <a:r>
-              <a:rPr lang="en-US" dirty="0" smtClean="0">
-                <a:hlinkClick r:id="rId2"/>
-              </a:rPr>
-              <a:t>github.com/</a:t>
-            </a:r>
-            <a:r>
-              <a:rPr lang="en-US" dirty="0" err="1" smtClean="0">
-                <a:hlinkClick r:id="rId2"/>
-              </a:rPr>
-              <a:t>VCHDecisionSupport</a:t>
-            </a:r>
-            <a:r>
-              <a:rPr lang="en-US" dirty="0" smtClean="0">
-                <a:hlinkClick r:id="rId2"/>
-              </a:rPr>
-              <a:t>/</a:t>
-            </a:r>
-            <a:r>
-              <a:rPr lang="en-US" dirty="0" err="1" smtClean="0">
-                <a:hlinkClick r:id="rId2"/>
-              </a:rPr>
-              <a:t>AutoTest</a:t>
-            </a:r>
-            <a:r>
-              <a:rPr lang="en-US" dirty="0" smtClean="0"/>
-              <a:t> for </a:t>
-            </a:r>
-            <a:r>
-              <a:rPr lang="en-US" smtClean="0"/>
-              <a:t>more information</a:t>
-            </a:r>
-            <a:endParaRPr lang="en-US" dirty="0"/>
-          </a:p>
         </p:txBody>
       </p:sp>
     </p:spTree>
     <p:extLst>
       <p:ext uri="{BB962C8B-B14F-4D97-AF65-F5344CB8AC3E}">
         <p14:creationId xmlns:p14="http://schemas.microsoft.com/office/powerpoint/2010/main" val="2851054188"/>
+      </p:ext>
+    </p:extLst>
+  </p:cSld>
+  <p:clrMapOvr>
+    <a:masterClrMapping/>
+  </p:clrMapOvr>
+  <p:timing>
+    <p:tnLst>
+      <p:par>
+        <p:cTn id="1" dur="indefinite" restart="never" nodeType="tmRoot"/>
+      </p:par>
+    </p:tnLst>
+  </p:timing>
+</p:sld>
+</file>
+
+<file path=ppt/slides/slide8.xml><?xml version="1.0" encoding="utf-8"?>
+<p:sld xmlns:a="http://schemas.openxmlformats.org/drawingml/2006/main" xmlns:r="http://schemas.openxmlformats.org/officeDocument/2006/relationships" xmlns:p="http://schemas.openxmlformats.org/presentationml/2006/main">
+  <p:cSld>
+    <p:spTree>
+      <p:nvGrpSpPr>
+        <p:cNvPr id="1" name=""/>
+        <p:cNvGrpSpPr/>
+        <p:nvPr/>
+      </p:nvGrpSpPr>
+      <p:grpSpPr>
+        <a:xfrm>
+          <a:off x="0" y="0"/>
+          <a:ext cx="0" cy="0"/>
+          <a:chOff x="0" y="0"/>
+          <a:chExt cx="0" cy="0"/>
+        </a:xfrm>
+      </p:grpSpPr>
+      <p:sp>
+        <p:nvSpPr>
+          <p:cNvPr id="2" name="Title 1"/>
+          <p:cNvSpPr>
+            <a:spLocks noGrp="1"/>
+          </p:cNvSpPr>
+          <p:nvPr>
+            <p:ph type="title"/>
+          </p:nvPr>
+        </p:nvSpPr>
+        <p:spPr/>
+        <p:txBody>
+          <a:bodyPr/>
+          <a:lstStyle/>
+          <a:p>
+            <a:r>
+              <a:rPr lang="en-CA" dirty="0" err="1" smtClean="0"/>
+              <a:t>AutoTest</a:t>
+            </a:r>
+            <a:r>
+              <a:rPr lang="en-CA" dirty="0" smtClean="0"/>
+              <a:t> Requirements</a:t>
+            </a:r>
+            <a:endParaRPr lang="en-CA" dirty="0"/>
+          </a:p>
+        </p:txBody>
+      </p:sp>
+      <p:sp>
+        <p:nvSpPr>
+          <p:cNvPr id="3" name="Content Placeholder 2"/>
+          <p:cNvSpPr>
+            <a:spLocks noGrp="1"/>
+          </p:cNvSpPr>
+          <p:nvPr>
+            <p:ph idx="1"/>
+          </p:nvPr>
+        </p:nvSpPr>
+        <p:spPr/>
+        <p:txBody>
+          <a:bodyPr>
+            <a:normAutofit lnSpcReduction="10000"/>
+          </a:bodyPr>
+          <a:lstStyle/>
+          <a:p>
+            <a:r>
+              <a:rPr lang="en-CA" dirty="0" smtClean="0"/>
+              <a:t>Attachment Points</a:t>
+            </a:r>
+          </a:p>
+          <a:p>
+            <a:pPr lvl="1"/>
+            <a:r>
+              <a:rPr lang="en-CA" dirty="0" smtClean="0"/>
+              <a:t>Before and After ETL Execution</a:t>
+            </a:r>
+          </a:p>
+          <a:p>
+            <a:r>
+              <a:rPr lang="en-CA" dirty="0" smtClean="0"/>
+              <a:t>Package-Table/View Mapping Table</a:t>
+            </a:r>
+          </a:p>
+          <a:p>
+            <a:pPr lvl="1"/>
+            <a:r>
+              <a:rPr lang="en-CA" dirty="0" err="1" smtClean="0">
+                <a:latin typeface="Consolas" panose="020B0609020204030204" pitchFamily="49" charset="0"/>
+                <a:cs typeface="Consolas" panose="020B0609020204030204" pitchFamily="49" charset="0"/>
+              </a:rPr>
+              <a:t>DQMF.dbo.ETL_PackageObject</a:t>
+            </a:r>
+            <a:endParaRPr lang="en-CA" dirty="0" smtClean="0">
+              <a:latin typeface="Consolas" panose="020B0609020204030204" pitchFamily="49" charset="0"/>
+              <a:cs typeface="Consolas" panose="020B0609020204030204" pitchFamily="49" charset="0"/>
+            </a:endParaRPr>
+          </a:p>
+          <a:p>
+            <a:r>
+              <a:rPr lang="en-CA" dirty="0" smtClean="0">
+                <a:cs typeface="Consolas" panose="020B0609020204030204" pitchFamily="49" charset="0"/>
+              </a:rPr>
+              <a:t>Comparison/business key columns for each fact table</a:t>
+            </a:r>
+          </a:p>
+          <a:p>
+            <a:pPr lvl="1"/>
+            <a:r>
+              <a:rPr lang="en-CA" dirty="0" smtClean="0">
+                <a:cs typeface="Consolas" panose="020B0609020204030204" pitchFamily="49" charset="0"/>
+              </a:rPr>
+              <a:t>Uniquely identifies an underlying business event to a record</a:t>
+            </a:r>
+          </a:p>
+          <a:p>
+            <a:pPr lvl="1"/>
+            <a:r>
+              <a:rPr lang="en-CA" dirty="0" smtClean="0">
+                <a:cs typeface="Consolas" panose="020B0609020204030204" pitchFamily="49" charset="0"/>
+              </a:rPr>
+              <a:t>Does not change during incremental loads</a:t>
+            </a:r>
+          </a:p>
+          <a:p>
+            <a:pPr lvl="2"/>
+            <a:r>
+              <a:rPr lang="en-CA" dirty="0" smtClean="0">
+                <a:cs typeface="Consolas" panose="020B0609020204030204" pitchFamily="49" charset="0"/>
+              </a:rPr>
+              <a:t>Not </a:t>
+            </a:r>
+            <a:r>
+              <a:rPr lang="en-CA" dirty="0" err="1" smtClean="0">
+                <a:cs typeface="Consolas" panose="020B0609020204030204" pitchFamily="49" charset="0"/>
+              </a:rPr>
+              <a:t>ETLAuditID</a:t>
+            </a:r>
+            <a:endParaRPr lang="en-CA" dirty="0">
+              <a:cs typeface="Consolas" panose="020B0609020204030204" pitchFamily="49" charset="0"/>
+            </a:endParaRPr>
+          </a:p>
+          <a:p>
+            <a:pPr marL="0" indent="0">
+              <a:buNone/>
+            </a:pPr>
+            <a:r>
+              <a:rPr lang="en-US" dirty="0"/>
+              <a:t>See </a:t>
+            </a:r>
+            <a:r>
+              <a:rPr lang="en-US" dirty="0">
+                <a:hlinkClick r:id="rId2"/>
+              </a:rPr>
+              <a:t>github.com/</a:t>
+            </a:r>
+            <a:r>
+              <a:rPr lang="en-US" dirty="0" err="1">
+                <a:hlinkClick r:id="rId2"/>
+              </a:rPr>
+              <a:t>VCHDecisionSupport</a:t>
+            </a:r>
+            <a:r>
+              <a:rPr lang="en-US" dirty="0">
+                <a:hlinkClick r:id="rId2"/>
+              </a:rPr>
+              <a:t>/</a:t>
+            </a:r>
+            <a:r>
+              <a:rPr lang="en-US" dirty="0" err="1">
+                <a:hlinkClick r:id="rId2"/>
+              </a:rPr>
+              <a:t>AutoTest</a:t>
+            </a:r>
+            <a:r>
+              <a:rPr lang="en-US" dirty="0"/>
+              <a:t> for </a:t>
+            </a:r>
+            <a:r>
+              <a:rPr lang="en-US" dirty="0" smtClean="0"/>
+              <a:t>source and docs</a:t>
+            </a:r>
+          </a:p>
+          <a:p>
+            <a:pPr marL="0" indent="0">
+              <a:buNone/>
+            </a:pPr>
+            <a:r>
+              <a:rPr lang="en-US" dirty="0" smtClean="0"/>
+              <a:t>And </a:t>
+            </a:r>
+            <a:r>
+              <a:rPr lang="en-US" dirty="0" smtClean="0">
+                <a:hlinkClick r:id="rId3"/>
+              </a:rPr>
+              <a:t>waffle.io/</a:t>
+            </a:r>
+            <a:r>
+              <a:rPr lang="en-US" dirty="0" err="1" smtClean="0">
+                <a:hlinkClick r:id="rId3"/>
+              </a:rPr>
+              <a:t>VCHDecisionSupport</a:t>
+            </a:r>
+            <a:r>
+              <a:rPr lang="en-US" dirty="0" smtClean="0">
+                <a:hlinkClick r:id="rId3"/>
+              </a:rPr>
+              <a:t>/</a:t>
+            </a:r>
+            <a:r>
+              <a:rPr lang="en-US" dirty="0" err="1" smtClean="0">
+                <a:hlinkClick r:id="rId3"/>
+              </a:rPr>
+              <a:t>AutoTest</a:t>
+            </a:r>
+            <a:r>
+              <a:rPr lang="en-US" dirty="0" smtClean="0"/>
+              <a:t> for </a:t>
+            </a:r>
+            <a:r>
+              <a:rPr lang="en-US" smtClean="0"/>
+              <a:t>Agile story</a:t>
+            </a:r>
+            <a:endParaRPr lang="en-US" dirty="0"/>
+          </a:p>
+          <a:p>
+            <a:pPr marL="0" indent="0">
+              <a:buNone/>
+            </a:pPr>
+            <a:endParaRPr lang="en-CA" dirty="0" smtClean="0">
+              <a:cs typeface="Consolas" panose="020B0609020204030204" pitchFamily="49" charset="0"/>
+            </a:endParaRPr>
+          </a:p>
+          <a:p>
+            <a:pPr lvl="1"/>
+            <a:endParaRPr lang="en-CA" dirty="0" smtClean="0">
+              <a:cs typeface="Consolas" panose="020B0609020204030204" pitchFamily="49" charset="0"/>
+            </a:endParaRPr>
+          </a:p>
+        </p:txBody>
+      </p:sp>
+    </p:spTree>
+    <p:extLst>
+      <p:ext uri="{BB962C8B-B14F-4D97-AF65-F5344CB8AC3E}">
+        <p14:creationId xmlns:p14="http://schemas.microsoft.com/office/powerpoint/2010/main" val="17511909"/>
       </p:ext>
     </p:extLst>
   </p:cSld>

--- a/Documentation/AutoTest DevsPresentation.pptx
+++ b/Documentation/AutoTest DevsPresentation.pptx
@@ -4244,11 +4244,7 @@
             </a:r>
             <a:r>
               <a:rPr lang="en-US" dirty="0" smtClean="0"/>
-              <a:t> for </a:t>
-            </a:r>
-            <a:r>
-              <a:rPr lang="en-US" smtClean="0"/>
-              <a:t>Agile story</a:t>
+              <a:t> for Agile story</a:t>
             </a:r>
             <a:endParaRPr lang="en-US" dirty="0"/>
           </a:p>
